--- a/docs/2023_07-31_春松客服_人物志_封面.pptx
+++ b/docs/2023_07-31_春松客服_人物志_封面.pptx
@@ -12,6 +12,7 @@
     <p:sldId id="272" r:id="rId6"/>
     <p:sldId id="273" r:id="rId7"/>
     <p:sldId id="274" r:id="rId8"/>
+    <p:sldId id="275" r:id="rId9"/>
   </p:sldIdLst>
   <p:sldSz cx="12192000" cy="6858000"/>
   <p:notesSz cx="6858000" cy="9144000"/>
@@ -125,6 +126,7 @@
             <p14:sldId id="272"/>
             <p14:sldId id="273"/>
             <p14:sldId id="274"/>
+            <p14:sldId id="275"/>
           </p14:sldIdLst>
         </p14:section>
       </p14:sectionLst>
@@ -283,7 +285,7 @@
           <a:p>
             <a:fld id="{6A4F8C69-8F7E-4F1E-AD82-07A7169EA169}" type="datetimeFigureOut">
               <a:rPr lang="en-US" smtClean="0"/>
-              <a:t>7/31/2023</a:t>
+              <a:t>8/5/2023</a:t>
             </a:fld>
             <a:endParaRPr lang="en-US"/>
           </a:p>
@@ -481,7 +483,7 @@
           <a:p>
             <a:fld id="{6A4F8C69-8F7E-4F1E-AD82-07A7169EA169}" type="datetimeFigureOut">
               <a:rPr lang="en-US" smtClean="0"/>
-              <a:t>7/31/2023</a:t>
+              <a:t>8/5/2023</a:t>
             </a:fld>
             <a:endParaRPr lang="en-US"/>
           </a:p>
@@ -689,7 +691,7 @@
           <a:p>
             <a:fld id="{6A4F8C69-8F7E-4F1E-AD82-07A7169EA169}" type="datetimeFigureOut">
               <a:rPr lang="en-US" smtClean="0"/>
-              <a:t>7/31/2023</a:t>
+              <a:t>8/5/2023</a:t>
             </a:fld>
             <a:endParaRPr lang="en-US"/>
           </a:p>
@@ -887,7 +889,7 @@
           <a:p>
             <a:fld id="{6A4F8C69-8F7E-4F1E-AD82-07A7169EA169}" type="datetimeFigureOut">
               <a:rPr lang="en-US" smtClean="0"/>
-              <a:t>7/31/2023</a:t>
+              <a:t>8/5/2023</a:t>
             </a:fld>
             <a:endParaRPr lang="en-US"/>
           </a:p>
@@ -1162,7 +1164,7 @@
           <a:p>
             <a:fld id="{6A4F8C69-8F7E-4F1E-AD82-07A7169EA169}" type="datetimeFigureOut">
               <a:rPr lang="en-US" smtClean="0"/>
-              <a:t>7/31/2023</a:t>
+              <a:t>8/5/2023</a:t>
             </a:fld>
             <a:endParaRPr lang="en-US"/>
           </a:p>
@@ -1427,7 +1429,7 @@
           <a:p>
             <a:fld id="{6A4F8C69-8F7E-4F1E-AD82-07A7169EA169}" type="datetimeFigureOut">
               <a:rPr lang="en-US" smtClean="0"/>
-              <a:t>7/31/2023</a:t>
+              <a:t>8/5/2023</a:t>
             </a:fld>
             <a:endParaRPr lang="en-US"/>
           </a:p>
@@ -1839,7 +1841,7 @@
           <a:p>
             <a:fld id="{6A4F8C69-8F7E-4F1E-AD82-07A7169EA169}" type="datetimeFigureOut">
               <a:rPr lang="en-US" smtClean="0"/>
-              <a:t>7/31/2023</a:t>
+              <a:t>8/5/2023</a:t>
             </a:fld>
             <a:endParaRPr lang="en-US"/>
           </a:p>
@@ -1980,7 +1982,7 @@
           <a:p>
             <a:fld id="{6A4F8C69-8F7E-4F1E-AD82-07A7169EA169}" type="datetimeFigureOut">
               <a:rPr lang="en-US" smtClean="0"/>
-              <a:t>7/31/2023</a:t>
+              <a:t>8/5/2023</a:t>
             </a:fld>
             <a:endParaRPr lang="en-US"/>
           </a:p>
@@ -2093,7 +2095,7 @@
           <a:p>
             <a:fld id="{6A4F8C69-8F7E-4F1E-AD82-07A7169EA169}" type="datetimeFigureOut">
               <a:rPr lang="en-US" smtClean="0"/>
-              <a:t>7/31/2023</a:t>
+              <a:t>8/5/2023</a:t>
             </a:fld>
             <a:endParaRPr lang="en-US"/>
           </a:p>
@@ -2404,7 +2406,7 @@
           <a:p>
             <a:fld id="{6A4F8C69-8F7E-4F1E-AD82-07A7169EA169}" type="datetimeFigureOut">
               <a:rPr lang="en-US" smtClean="0"/>
-              <a:t>7/31/2023</a:t>
+              <a:t>8/5/2023</a:t>
             </a:fld>
             <a:endParaRPr lang="en-US"/>
           </a:p>
@@ -2692,7 +2694,7 @@
           <a:p>
             <a:fld id="{6A4F8C69-8F7E-4F1E-AD82-07A7169EA169}" type="datetimeFigureOut">
               <a:rPr lang="en-US" smtClean="0"/>
-              <a:t>7/31/2023</a:t>
+              <a:t>8/5/2023</a:t>
             </a:fld>
             <a:endParaRPr lang="en-US"/>
           </a:p>
@@ -2933,7 +2935,7 @@
           <a:p>
             <a:fld id="{6A4F8C69-8F7E-4F1E-AD82-07A7169EA169}" type="datetimeFigureOut">
               <a:rPr lang="en-US" smtClean="0"/>
-              <a:t>7/31/2023</a:t>
+              <a:t>8/5/2023</a:t>
             </a:fld>
             <a:endParaRPr lang="en-US"/>
           </a:p>
@@ -3489,7 +3491,7 @@
           <p:spPr>
             <a:xfrm>
               <a:off x="1151810" y="1081233"/>
-              <a:ext cx="2899550" cy="1165184"/>
+              <a:ext cx="2899550" cy="891024"/>
             </a:xfrm>
             <a:prstGeom prst="rect">
               <a:avLst/>
@@ -3504,27 +3506,27 @@
             <a:p>
               <a:pPr algn="dist"/>
               <a:r>
-                <a:rPr lang="zh-CN" altLang="en-US" sz="9600" dirty="0">
+                <a:rPr lang="zh-CN" altLang="en-US" sz="7200" dirty="0">
                   <a:solidFill>
                     <a:schemeClr val="tx1">
                       <a:lumMod val="85000"/>
                       <a:lumOff val="15000"/>
                     </a:schemeClr>
                   </a:solidFill>
-                  <a:latin typeface="优设标题黑" panose="00000500000000000000" pitchFamily="2" charset="-122"/>
-                  <a:ea typeface="优设标题黑" panose="00000500000000000000" pitchFamily="2" charset="-122"/>
+                  <a:latin typeface="HarmonyOS Sans SC Black" panose="00000A00000000000000" pitchFamily="2" charset="-122"/>
+                  <a:ea typeface="HarmonyOS Sans SC Black" panose="00000A00000000000000" pitchFamily="2" charset="-122"/>
                 </a:rPr>
                 <a:t>人物志</a:t>
               </a:r>
-              <a:endParaRPr lang="en-US" sz="9600" dirty="0">
+              <a:endParaRPr lang="en-US" sz="7200" dirty="0">
                 <a:solidFill>
                   <a:schemeClr val="tx1">
                     <a:lumMod val="85000"/>
                     <a:lumOff val="15000"/>
                   </a:schemeClr>
                 </a:solidFill>
-                <a:latin typeface="优设标题黑" panose="00000500000000000000" pitchFamily="2" charset="-122"/>
-                <a:ea typeface="优设标题黑" panose="00000500000000000000" pitchFamily="2" charset="-122"/>
+                <a:latin typeface="HarmonyOS Sans SC Black" panose="00000A00000000000000" pitchFamily="2" charset="-122"/>
+                <a:ea typeface="HarmonyOS Sans SC Black" panose="00000A00000000000000" pitchFamily="2" charset="-122"/>
               </a:endParaRPr>
             </a:p>
           </p:txBody>
@@ -5332,61 +5334,6 @@
             </a:p>
           </p:txBody>
         </p:sp>
-        <p:sp>
-          <p:nvSpPr>
-            <p:cNvPr id="6" name="TextBox 5">
-              <a:extLst>
-                <a:ext uri="{FF2B5EF4-FFF2-40B4-BE49-F238E27FC236}">
-                  <a16:creationId xmlns:a16="http://schemas.microsoft.com/office/drawing/2014/main" id="{7BB6FD10-37C2-4374-878F-81A8B79CD797}"/>
-                </a:ext>
-              </a:extLst>
-            </p:cNvPr>
-            <p:cNvSpPr txBox="1"/>
-            <p:nvPr/>
-          </p:nvSpPr>
-          <p:spPr>
-            <a:xfrm>
-              <a:off x="1151810" y="1081233"/>
-              <a:ext cx="2899550" cy="1165184"/>
-            </a:xfrm>
-            <a:prstGeom prst="rect">
-              <a:avLst/>
-            </a:prstGeom>
-            <a:noFill/>
-          </p:spPr>
-          <p:txBody>
-            <a:bodyPr wrap="square" rtlCol="0">
-              <a:spAutoFit/>
-            </a:bodyPr>
-            <a:lstStyle/>
-            <a:p>
-              <a:pPr algn="dist"/>
-              <a:r>
-                <a:rPr lang="zh-CN" altLang="en-US" sz="9600" dirty="0">
-                  <a:solidFill>
-                    <a:schemeClr val="tx1">
-                      <a:lumMod val="85000"/>
-                      <a:lumOff val="15000"/>
-                    </a:schemeClr>
-                  </a:solidFill>
-                  <a:latin typeface="优设标题黑" panose="00000500000000000000" pitchFamily="2" charset="-122"/>
-                  <a:ea typeface="优设标题黑" panose="00000500000000000000" pitchFamily="2" charset="-122"/>
-                </a:rPr>
-                <a:t>人物志</a:t>
-              </a:r>
-              <a:endParaRPr lang="en-US" sz="9600" dirty="0">
-                <a:solidFill>
-                  <a:schemeClr val="tx1">
-                    <a:lumMod val="85000"/>
-                    <a:lumOff val="15000"/>
-                  </a:schemeClr>
-                </a:solidFill>
-                <a:latin typeface="优设标题黑" panose="00000500000000000000" pitchFamily="2" charset="-122"/>
-                <a:ea typeface="优设标题黑" panose="00000500000000000000" pitchFamily="2" charset="-122"/>
-              </a:endParaRPr>
-            </a:p>
-          </p:txBody>
-        </p:sp>
         <p:pic>
           <p:nvPicPr>
             <p:cNvPr id="8" name="Picture 7">
@@ -5414,12 +5361,13 @@
           </p:blipFill>
           <p:spPr>
             <a:xfrm>
-              <a:off x="3936175" y="1681397"/>
-              <a:ext cx="2663898" cy="2663898"/>
+              <a:off x="4196782" y="2117614"/>
+              <a:ext cx="2088475" cy="2088474"/>
             </a:xfrm>
             <a:prstGeom prst="ellipse">
               <a:avLst/>
             </a:prstGeom>
+            <a:noFill/>
           </p:spPr>
         </p:pic>
         <p:sp>
@@ -5477,10 +5425,478 @@
           </p:txBody>
         </p:sp>
       </p:grpSp>
+      <p:sp>
+        <p:nvSpPr>
+          <p:cNvPr id="3" name="TextBox 5">
+            <a:extLst>
+              <a:ext uri="{FF2B5EF4-FFF2-40B4-BE49-F238E27FC236}">
+                <a16:creationId xmlns:a16="http://schemas.microsoft.com/office/drawing/2014/main" id="{FB22D604-47A7-DE28-431D-171A51BAE29C}"/>
+              </a:ext>
+            </a:extLst>
+          </p:cNvPr>
+          <p:cNvSpPr txBox="1"/>
+          <p:nvPr/>
+        </p:nvSpPr>
+        <p:spPr>
+          <a:xfrm>
+            <a:off x="401265" y="626126"/>
+            <a:ext cx="3909476" cy="1200330"/>
+          </a:xfrm>
+          <a:prstGeom prst="rect">
+            <a:avLst/>
+          </a:prstGeom>
+          <a:noFill/>
+        </p:spPr>
+        <p:txBody>
+          <a:bodyPr wrap="square" rtlCol="0">
+            <a:spAutoFit/>
+          </a:bodyPr>
+          <a:lstStyle/>
+          <a:p>
+            <a:pPr algn="dist"/>
+            <a:r>
+              <a:rPr lang="zh-CN" altLang="en-US" sz="7200" dirty="0">
+                <a:solidFill>
+                  <a:schemeClr val="tx1">
+                    <a:lumMod val="85000"/>
+                    <a:lumOff val="15000"/>
+                  </a:schemeClr>
+                </a:solidFill>
+                <a:latin typeface="HarmonyOS Sans SC Black" panose="00000A00000000000000" pitchFamily="2" charset="-122"/>
+                <a:ea typeface="HarmonyOS Sans SC Black" panose="00000A00000000000000" pitchFamily="2" charset="-122"/>
+              </a:rPr>
+              <a:t>人物志</a:t>
+            </a:r>
+            <a:endParaRPr lang="en-US" sz="7200" dirty="0">
+              <a:solidFill>
+                <a:schemeClr val="tx1">
+                  <a:lumMod val="85000"/>
+                  <a:lumOff val="15000"/>
+                </a:schemeClr>
+              </a:solidFill>
+              <a:latin typeface="HarmonyOS Sans SC Black" panose="00000A00000000000000" pitchFamily="2" charset="-122"/>
+              <a:ea typeface="HarmonyOS Sans SC Black" panose="00000A00000000000000" pitchFamily="2" charset="-122"/>
+            </a:endParaRPr>
+          </a:p>
+        </p:txBody>
+      </p:sp>
+      <p:pic>
+        <p:nvPicPr>
+          <p:cNvPr id="7" name="图片 6">
+            <a:extLst>
+              <a:ext uri="{FF2B5EF4-FFF2-40B4-BE49-F238E27FC236}">
+                <a16:creationId xmlns:a16="http://schemas.microsoft.com/office/drawing/2014/main" id="{AB4A54F9-1678-C370-3B90-0FA37149C3CE}"/>
+              </a:ext>
+            </a:extLst>
+          </p:cNvPr>
+          <p:cNvPicPr>
+            <a:picLocks noChangeAspect="1"/>
+          </p:cNvPicPr>
+          <p:nvPr/>
+        </p:nvPicPr>
+        <p:blipFill>
+          <a:blip r:embed="rId3">
+            <a:extLst>
+              <a:ext uri="{28A0092B-C50C-407E-A947-70E740481C1C}">
+                <a14:useLocalDpi xmlns:a14="http://schemas.microsoft.com/office/drawing/2010/main" val="0"/>
+              </a:ext>
+            </a:extLst>
+          </a:blip>
+          <a:stretch>
+            <a:fillRect/>
+          </a:stretch>
+        </p:blipFill>
+        <p:spPr>
+          <a:xfrm>
+            <a:off x="10865259" y="473586"/>
+            <a:ext cx="774317" cy="731081"/>
+          </a:xfrm>
+          <a:prstGeom prst="rect">
+            <a:avLst/>
+          </a:prstGeom>
+          <a:effectLst>
+            <a:glow rad="63500">
+              <a:schemeClr val="accent2">
+                <a:satMod val="175000"/>
+                <a:alpha val="40000"/>
+              </a:schemeClr>
+            </a:glow>
+          </a:effectLst>
+        </p:spPr>
+      </p:pic>
     </p:spTree>
     <p:extLst>
       <p:ext uri="{BB962C8B-B14F-4D97-AF65-F5344CB8AC3E}">
         <p14:creationId xmlns:p14="http://schemas.microsoft.com/office/powerpoint/2010/main" val="2380236187"/>
+      </p:ext>
+    </p:extLst>
+  </p:cSld>
+  <p:clrMapOvr>
+    <a:masterClrMapping/>
+  </p:clrMapOvr>
+</p:sld>
+</file>
+
+<file path=ppt/slides/slide8.xml><?xml version="1.0" encoding="utf-8"?>
+<p:sld xmlns:a="http://schemas.openxmlformats.org/drawingml/2006/main" xmlns:r="http://schemas.openxmlformats.org/officeDocument/2006/relationships" xmlns:p="http://schemas.openxmlformats.org/presentationml/2006/main">
+  <p:cSld>
+    <p:spTree>
+      <p:nvGrpSpPr>
+        <p:cNvPr id="1" name=""/>
+        <p:cNvGrpSpPr/>
+        <p:nvPr/>
+      </p:nvGrpSpPr>
+      <p:grpSpPr>
+        <a:xfrm>
+          <a:off x="0" y="0"/>
+          <a:ext cx="0" cy="0"/>
+          <a:chOff x="0" y="0"/>
+          <a:chExt cx="0" cy="0"/>
+        </a:xfrm>
+      </p:grpSpPr>
+      <p:grpSp>
+        <p:nvGrpSpPr>
+          <p:cNvPr id="2" name="Group 1">
+            <a:extLst>
+              <a:ext uri="{FF2B5EF4-FFF2-40B4-BE49-F238E27FC236}">
+                <a16:creationId xmlns:a16="http://schemas.microsoft.com/office/drawing/2014/main" id="{FB6927DD-4DBA-46A1-8C9C-27A297AF0D37}"/>
+              </a:ext>
+            </a:extLst>
+          </p:cNvPr>
+          <p:cNvGrpSpPr/>
+          <p:nvPr/>
+        </p:nvGrpSpPr>
+        <p:grpSpPr>
+          <a:xfrm>
+            <a:off x="0" y="1"/>
+            <a:ext cx="12191999" cy="6857999"/>
+            <a:chOff x="854203" y="616450"/>
+            <a:chExt cx="9042467" cy="5090803"/>
+          </a:xfrm>
+        </p:grpSpPr>
+        <p:sp>
+          <p:nvSpPr>
+            <p:cNvPr id="4" name="Rectangle 3">
+              <a:extLst>
+                <a:ext uri="{FF2B5EF4-FFF2-40B4-BE49-F238E27FC236}">
+                  <a16:creationId xmlns:a16="http://schemas.microsoft.com/office/drawing/2014/main" id="{AACA3D62-00ED-49FF-9BC5-3116BE7BCC81}"/>
+                </a:ext>
+              </a:extLst>
+            </p:cNvPr>
+            <p:cNvSpPr/>
+            <p:nvPr/>
+          </p:nvSpPr>
+          <p:spPr>
+            <a:xfrm>
+              <a:off x="854203" y="616450"/>
+              <a:ext cx="9042467" cy="5090803"/>
+            </a:xfrm>
+            <a:prstGeom prst="rect">
+              <a:avLst/>
+            </a:prstGeom>
+            <a:ln>
+              <a:noFill/>
+            </a:ln>
+          </p:spPr>
+          <p:style>
+            <a:lnRef idx="2">
+              <a:schemeClr val="accent4">
+                <a:shade val="50000"/>
+              </a:schemeClr>
+            </a:lnRef>
+            <a:fillRef idx="1">
+              <a:schemeClr val="accent4"/>
+            </a:fillRef>
+            <a:effectRef idx="0">
+              <a:schemeClr val="accent4"/>
+            </a:effectRef>
+            <a:fontRef idx="minor">
+              <a:schemeClr val="lt1"/>
+            </a:fontRef>
+          </p:style>
+          <p:txBody>
+            <a:bodyPr rtlCol="0" anchor="ctr"/>
+            <a:lstStyle/>
+            <a:p>
+              <a:pPr algn="ctr"/>
+              <a:endParaRPr lang="en-US" dirty="0"/>
+            </a:p>
+          </p:txBody>
+        </p:sp>
+        <p:sp>
+          <p:nvSpPr>
+            <p:cNvPr id="5" name="TextBox 4">
+              <a:extLst>
+                <a:ext uri="{FF2B5EF4-FFF2-40B4-BE49-F238E27FC236}">
+                  <a16:creationId xmlns:a16="http://schemas.microsoft.com/office/drawing/2014/main" id="{5C84D2CD-2F97-49EE-921A-E40E2D5342A2}"/>
+                </a:ext>
+              </a:extLst>
+            </p:cNvPr>
+            <p:cNvSpPr txBox="1"/>
+            <p:nvPr/>
+          </p:nvSpPr>
+          <p:spPr>
+            <a:xfrm>
+              <a:off x="6722175" y="4955593"/>
+              <a:ext cx="2827811" cy="400110"/>
+            </a:xfrm>
+            <a:prstGeom prst="rect">
+              <a:avLst/>
+            </a:prstGeom>
+            <a:noFill/>
+          </p:spPr>
+          <p:txBody>
+            <a:bodyPr wrap="square" rtlCol="0">
+              <a:spAutoFit/>
+            </a:bodyPr>
+            <a:lstStyle/>
+            <a:p>
+              <a:pPr algn="dist"/>
+              <a:r>
+                <a:rPr lang="zh-CN" altLang="en-US" sz="2000" dirty="0">
+                  <a:solidFill>
+                    <a:schemeClr val="tx1">
+                      <a:lumMod val="75000"/>
+                      <a:lumOff val="25000"/>
+                    </a:schemeClr>
+                  </a:solidFill>
+                  <a:latin typeface="思源黑体 CN Heavy" panose="020B0A00000000000000" pitchFamily="34" charset="-122"/>
+                  <a:ea typeface="思源黑体 CN Heavy" panose="020B0A00000000000000" pitchFamily="34" charset="-122"/>
+                </a:rPr>
+                <a:t>春松客服开源社区</a:t>
+              </a:r>
+              <a:endParaRPr lang="en-US" sz="2000" dirty="0">
+                <a:solidFill>
+                  <a:schemeClr val="tx1">
+                    <a:lumMod val="75000"/>
+                    <a:lumOff val="25000"/>
+                  </a:schemeClr>
+                </a:solidFill>
+                <a:latin typeface="思源黑体 CN Heavy" panose="020B0A00000000000000" pitchFamily="34" charset="-122"/>
+                <a:ea typeface="思源黑体 CN Heavy" panose="020B0A00000000000000" pitchFamily="34" charset="-122"/>
+              </a:endParaRPr>
+            </a:p>
+          </p:txBody>
+        </p:sp>
+        <p:sp>
+          <p:nvSpPr>
+            <p:cNvPr id="6" name="TextBox 5">
+              <a:extLst>
+                <a:ext uri="{FF2B5EF4-FFF2-40B4-BE49-F238E27FC236}">
+                  <a16:creationId xmlns:a16="http://schemas.microsoft.com/office/drawing/2014/main" id="{7BB6FD10-37C2-4374-878F-81A8B79CD797}"/>
+                </a:ext>
+              </a:extLst>
+            </p:cNvPr>
+            <p:cNvSpPr txBox="1"/>
+            <p:nvPr/>
+          </p:nvSpPr>
+          <p:spPr>
+            <a:xfrm>
+              <a:off x="1151810" y="1081233"/>
+              <a:ext cx="2899550" cy="891024"/>
+            </a:xfrm>
+            <a:prstGeom prst="rect">
+              <a:avLst/>
+            </a:prstGeom>
+            <a:noFill/>
+          </p:spPr>
+          <p:txBody>
+            <a:bodyPr wrap="square" rtlCol="0">
+              <a:spAutoFit/>
+            </a:bodyPr>
+            <a:lstStyle/>
+            <a:p>
+              <a:pPr algn="dist"/>
+              <a:r>
+                <a:rPr lang="zh-CN" altLang="en-US" sz="7200" dirty="0">
+                  <a:solidFill>
+                    <a:schemeClr val="tx1">
+                      <a:lumMod val="85000"/>
+                      <a:lumOff val="15000"/>
+                    </a:schemeClr>
+                  </a:solidFill>
+                  <a:latin typeface="HarmonyOS Sans SC Black" panose="00000A00000000000000" pitchFamily="2" charset="-122"/>
+                  <a:ea typeface="HarmonyOS Sans SC Black" panose="00000A00000000000000" pitchFamily="2" charset="-122"/>
+                </a:rPr>
+                <a:t>人物志</a:t>
+              </a:r>
+              <a:endParaRPr lang="en-US" sz="7200" dirty="0">
+                <a:solidFill>
+                  <a:schemeClr val="tx1">
+                    <a:lumMod val="85000"/>
+                    <a:lumOff val="15000"/>
+                  </a:schemeClr>
+                </a:solidFill>
+                <a:latin typeface="HarmonyOS Sans SC Black" panose="00000A00000000000000" pitchFamily="2" charset="-122"/>
+                <a:ea typeface="HarmonyOS Sans SC Black" panose="00000A00000000000000" pitchFamily="2" charset="-122"/>
+              </a:endParaRPr>
+            </a:p>
+          </p:txBody>
+        </p:sp>
+        <p:pic>
+          <p:nvPicPr>
+            <p:cNvPr id="8" name="Picture 7">
+              <a:extLst>
+                <a:ext uri="{FF2B5EF4-FFF2-40B4-BE49-F238E27FC236}">
+                  <a16:creationId xmlns:a16="http://schemas.microsoft.com/office/drawing/2014/main" id="{8E5679A4-6D17-4FC4-A0AA-D791810C991A}"/>
+                </a:ext>
+              </a:extLst>
+            </p:cNvPr>
+            <p:cNvPicPr>
+              <a:picLocks noChangeAspect="1"/>
+            </p:cNvPicPr>
+            <p:nvPr/>
+          </p:nvPicPr>
+          <p:blipFill>
+            <a:blip r:embed="rId2">
+              <a:extLst>
+                <a:ext uri="{28A0092B-C50C-407E-A947-70E740481C1C}">
+                  <a14:useLocalDpi xmlns:a14="http://schemas.microsoft.com/office/drawing/2010/main" val="0"/>
+                </a:ext>
+              </a:extLst>
+            </a:blip>
+            <a:srcRect t="43" b="43"/>
+            <a:stretch/>
+          </p:blipFill>
+          <p:spPr>
+            <a:xfrm>
+              <a:off x="4112786" y="1830846"/>
+              <a:ext cx="2373038" cy="2373038"/>
+            </a:xfrm>
+            <a:prstGeom prst="ellipse">
+              <a:avLst/>
+            </a:prstGeom>
+          </p:spPr>
+        </p:pic>
+        <p:sp>
+          <p:nvSpPr>
+            <p:cNvPr id="9" name="TextBox 8">
+              <a:extLst>
+                <a:ext uri="{FF2B5EF4-FFF2-40B4-BE49-F238E27FC236}">
+                  <a16:creationId xmlns:a16="http://schemas.microsoft.com/office/drawing/2014/main" id="{715C627E-EE42-4ADE-8D3E-722237360616}"/>
+                </a:ext>
+              </a:extLst>
+            </p:cNvPr>
+            <p:cNvSpPr txBox="1"/>
+            <p:nvPr/>
+          </p:nvSpPr>
+          <p:spPr>
+            <a:xfrm>
+              <a:off x="3146124" y="4443680"/>
+              <a:ext cx="4461001" cy="388395"/>
+            </a:xfrm>
+            <a:prstGeom prst="rect">
+              <a:avLst/>
+            </a:prstGeom>
+            <a:noFill/>
+          </p:spPr>
+          <p:txBody>
+            <a:bodyPr wrap="none" rtlCol="0">
+              <a:spAutoFit/>
+            </a:bodyPr>
+            <a:lstStyle/>
+            <a:p>
+              <a:r>
+                <a:rPr lang="zh-CN" altLang="en-US" sz="2800" dirty="0">
+                  <a:solidFill>
+                    <a:schemeClr val="tx1">
+                      <a:lumMod val="85000"/>
+                      <a:lumOff val="15000"/>
+                    </a:schemeClr>
+                  </a:solidFill>
+                  <a:latin typeface="思源黑体 CN Bold" panose="020B0800000000000000" pitchFamily="34" charset="-122"/>
+                  <a:ea typeface="思源黑体 CN Bold" panose="020B0800000000000000" pitchFamily="34" charset="-122"/>
+                </a:rPr>
+                <a:t>古风 业务专家</a:t>
+              </a:r>
+              <a:r>
+                <a:rPr lang="en-US" altLang="zh-CN" sz="2800" dirty="0">
+                  <a:solidFill>
+                    <a:schemeClr val="tx1">
+                      <a:lumMod val="85000"/>
+                      <a:lumOff val="15000"/>
+                    </a:schemeClr>
+                  </a:solidFill>
+                  <a:latin typeface="思源黑体 CN Bold" panose="020B0800000000000000" pitchFamily="34" charset="-122"/>
+                  <a:ea typeface="思源黑体 CN Bold" panose="020B0800000000000000" pitchFamily="34" charset="-122"/>
+                </a:rPr>
+                <a:t>@</a:t>
+              </a:r>
+              <a:r>
+                <a:rPr lang="zh-CN" altLang="en-US" sz="2800" dirty="0">
+                  <a:solidFill>
+                    <a:schemeClr val="tx1">
+                      <a:lumMod val="85000"/>
+                      <a:lumOff val="15000"/>
+                    </a:schemeClr>
+                  </a:solidFill>
+                  <a:latin typeface="思源黑体 CN Bold" panose="020B0800000000000000" pitchFamily="34" charset="-122"/>
+                  <a:ea typeface="思源黑体 CN Bold" panose="020B0800000000000000" pitchFamily="34" charset="-122"/>
+                </a:rPr>
+                <a:t>春松客服技术委员会</a:t>
+              </a:r>
+              <a:endParaRPr lang="en-US" sz="2800" dirty="0">
+                <a:solidFill>
+                  <a:schemeClr val="tx1">
+                    <a:lumMod val="85000"/>
+                    <a:lumOff val="15000"/>
+                  </a:schemeClr>
+                </a:solidFill>
+                <a:latin typeface="思源黑体 CN Bold" panose="020B0800000000000000" pitchFamily="34" charset="-122"/>
+                <a:ea typeface="思源黑体 CN Bold" panose="020B0800000000000000" pitchFamily="34" charset="-122"/>
+              </a:endParaRPr>
+            </a:p>
+          </p:txBody>
+        </p:sp>
+      </p:grpSp>
+      <p:pic>
+        <p:nvPicPr>
+          <p:cNvPr id="13" name="图片 12">
+            <a:extLst>
+              <a:ext uri="{FF2B5EF4-FFF2-40B4-BE49-F238E27FC236}">
+                <a16:creationId xmlns:a16="http://schemas.microsoft.com/office/drawing/2014/main" id="{C9834CE9-91F3-9E29-4EA7-0B753FDDFF78}"/>
+              </a:ext>
+            </a:extLst>
+          </p:cNvPr>
+          <p:cNvPicPr>
+            <a:picLocks noChangeAspect="1"/>
+          </p:cNvPicPr>
+          <p:nvPr/>
+        </p:nvPicPr>
+        <p:blipFill>
+          <a:blip r:embed="rId3">
+            <a:extLst>
+              <a:ext uri="{28A0092B-C50C-407E-A947-70E740481C1C}">
+                <a14:useLocalDpi xmlns:a14="http://schemas.microsoft.com/office/drawing/2010/main" val="0"/>
+              </a:ext>
+            </a:extLst>
+          </a:blip>
+          <a:stretch>
+            <a:fillRect/>
+          </a:stretch>
+        </p:blipFill>
+        <p:spPr>
+          <a:xfrm>
+            <a:off x="10865259" y="473586"/>
+            <a:ext cx="774317" cy="731081"/>
+          </a:xfrm>
+          <a:prstGeom prst="rect">
+            <a:avLst/>
+          </a:prstGeom>
+          <a:effectLst>
+            <a:glow rad="63500">
+              <a:schemeClr val="accent2">
+                <a:satMod val="175000"/>
+                <a:alpha val="40000"/>
+              </a:schemeClr>
+            </a:glow>
+          </a:effectLst>
+        </p:spPr>
+      </p:pic>
+    </p:spTree>
+    <p:extLst>
+      <p:ext uri="{BB962C8B-B14F-4D97-AF65-F5344CB8AC3E}">
+        <p14:creationId xmlns:p14="http://schemas.microsoft.com/office/powerpoint/2010/main" val="1137714018"/>
       </p:ext>
     </p:extLst>
   </p:cSld>
